--- a/files/Covid-19 Tracker.pptx
+++ b/files/Covid-19 Tracker.pptx
@@ -3691,11 +3691,11 @@
             <a:r>
               <a:rPr lang="en-US" sz="1400" dirty="0">
                 <a:solidFill>
-                  <a:srgbClr val="3E3E3E"/>
+                  <a:srgbClr val="888888"/>
                 </a:solidFill>
                 <a:latin typeface="Open Sans" panose="020B0606030504020204" pitchFamily="34" charset="0"/>
               </a:rPr>
-              <a:t>Press release: </a:t>
+              <a:t>Public visibility: </a:t>
             </a:r>
             <a:r>
               <a:rPr lang="en-US" sz="1400" dirty="0">
